--- a/UE14-2023-Sujet-XX.pptx
+++ b/UE14-2023-Sujet-XX.pptx
@@ -208,7 +208,7 @@
           <a:p>
             <a:fld id="{A401968E-8C69-45DB-A237-BCB9D76C0F09}" type="datetimeFigureOut">
               <a:rPr lang="fr-FR" smtClean="0"/>
-              <a:t>04/12/2023</a:t>
+              <a:t>16/01/2024</a:t>
             </a:fld>
             <a:endParaRPr lang="fr-FR"/>
           </a:p>
@@ -5158,7 +5158,7 @@
         <p:spPr>
           <a:xfrm>
             <a:off x="408819" y="3819271"/>
-            <a:ext cx="5230919" cy="1246495"/>
+            <a:ext cx="5267789" cy="2077492"/>
           </a:xfrm>
           <a:prstGeom prst="rect">
             <a:avLst/>
@@ -5180,7 +5180,18 @@
               </a:rPr>
               <a:t>Projet N°XX</a:t>
             </a:r>
-            <a:endParaRPr lang="en-GB" sz="4800" dirty="0">
+          </a:p>
+          <a:p>
+            <a:r>
+              <a:rPr lang="fr-FR" sz="5400" kern="0" dirty="0">
+                <a:solidFill>
+                  <a:srgbClr val="00458A"/>
+                </a:solidFill>
+                <a:latin typeface="Arial Bold"/>
+              </a:rPr>
+              <a:t>Janvier 2024</a:t>
+            </a:r>
+            <a:endParaRPr lang="en-GB" sz="3200" dirty="0">
               <a:latin typeface="+mn-ea"/>
             </a:endParaRPr>
           </a:p>
